--- a/WSL.pptx
+++ b/WSL.pptx
@@ -23,8 +23,8 @@
     <p:sldId id="285" r:id="rId17"/>
     <p:sldId id="272" r:id="rId18"/>
     <p:sldId id="284" r:id="rId19"/>
-    <p:sldId id="273" r:id="rId20"/>
-    <p:sldId id="274" r:id="rId21"/>
+    <p:sldId id="274" r:id="rId20"/>
+    <p:sldId id="273" r:id="rId21"/>
     <p:sldId id="275" r:id="rId22"/>
     <p:sldId id="276" r:id="rId23"/>
     <p:sldId id="278" r:id="rId24"/>
@@ -7514,6 +7514,234 @@
 </file>
 
 <file path=ppt/slides/slide19.xml><?xml version="1.0" encoding="utf-8"?>
+<p:sld xmlns:a="http://schemas.openxmlformats.org/drawingml/2006/main" xmlns:r="http://schemas.openxmlformats.org/officeDocument/2006/relationships" xmlns:p="http://schemas.openxmlformats.org/presentationml/2006/main">
+  <p:cSld>
+    <p:spTree>
+      <p:nvGrpSpPr>
+        <p:cNvPr id="1" name=""/>
+        <p:cNvGrpSpPr/>
+        <p:nvPr/>
+      </p:nvGrpSpPr>
+      <p:grpSpPr>
+        <a:xfrm>
+          <a:off x="0" y="0"/>
+          <a:ext cx="0" cy="0"/>
+          <a:chOff x="0" y="0"/>
+          <a:chExt cx="0" cy="0"/>
+        </a:xfrm>
+      </p:grpSpPr>
+      <p:sp>
+        <p:nvSpPr>
+          <p:cNvPr id="2" name="כותרת 1"/>
+          <p:cNvSpPr>
+            <a:spLocks noGrp="1"/>
+          </p:cNvSpPr>
+          <p:nvPr>
+            <p:ph type="title"/>
+          </p:nvPr>
+        </p:nvSpPr>
+        <p:spPr/>
+        <p:txBody>
+          <a:bodyPr/>
+          <a:lstStyle/>
+          <a:p>
+            <a:r>
+              <a:rPr lang="en-US" sz="4400" dirty="0" smtClean="0"/>
+              <a:t>SYSTEM CALLS</a:t>
+            </a:r>
+            <a:endParaRPr lang="en-US" dirty="0"/>
+          </a:p>
+        </p:txBody>
+      </p:sp>
+      <p:pic>
+        <p:nvPicPr>
+          <p:cNvPr id="13314" name="Picture 2" descr="syscall_graphic"/>
+          <p:cNvPicPr>
+            <a:picLocks noChangeAspect="1" noChangeArrowheads="1"/>
+          </p:cNvPicPr>
+          <p:nvPr/>
+        </p:nvPicPr>
+        <p:blipFill>
+          <a:blip r:embed="rId2">
+            <a:extLst>
+              <a:ext uri="{28A0092B-C50C-407E-A947-70E740481C1C}">
+                <a14:useLocalDpi xmlns:a14="http://schemas.microsoft.com/office/drawing/2010/main" val="0"/>
+              </a:ext>
+            </a:extLst>
+          </a:blip>
+          <a:srcRect/>
+          <a:stretch>
+            <a:fillRect/>
+          </a:stretch>
+        </p:blipFill>
+        <p:spPr bwMode="auto">
+          <a:xfrm>
+            <a:off x="1829630" y="1429091"/>
+            <a:ext cx="7722333" cy="5313643"/>
+          </a:xfrm>
+          <a:prstGeom prst="rect">
+            <a:avLst/>
+          </a:prstGeom>
+          <a:noFill/>
+          <a:extLst>
+            <a:ext uri="{909E8E84-426E-40DD-AFC4-6F175D3DCCD1}">
+              <a14:hiddenFill xmlns:a14="http://schemas.microsoft.com/office/drawing/2010/main">
+                <a:solidFill>
+                  <a:srgbClr val="FFFFFF"/>
+                </a:solidFill>
+              </a14:hiddenFill>
+            </a:ext>
+          </a:extLst>
+        </p:spPr>
+      </p:pic>
+    </p:spTree>
+    <p:extLst>
+      <p:ext uri="{BB962C8B-B14F-4D97-AF65-F5344CB8AC3E}">
+        <p14:creationId xmlns:p14="http://schemas.microsoft.com/office/powerpoint/2010/main" val="164989120"/>
+      </p:ext>
+    </p:extLst>
+  </p:cSld>
+  <p:clrMapOvr>
+    <a:masterClrMapping/>
+  </p:clrMapOvr>
+  <p:timing>
+    <p:tnLst>
+      <p:par>
+        <p:cTn id="1" dur="indefinite" restart="never" nodeType="tmRoot"/>
+      </p:par>
+    </p:tnLst>
+  </p:timing>
+</p:sld>
+</file>
+
+<file path=ppt/slides/slide2.xml><?xml version="1.0" encoding="utf-8"?>
+<p:sld xmlns:a="http://schemas.openxmlformats.org/drawingml/2006/main" xmlns:r="http://schemas.openxmlformats.org/officeDocument/2006/relationships" xmlns:p="http://schemas.openxmlformats.org/presentationml/2006/main">
+  <p:cSld>
+    <p:spTree>
+      <p:nvGrpSpPr>
+        <p:cNvPr id="1" name=""/>
+        <p:cNvGrpSpPr/>
+        <p:nvPr/>
+      </p:nvGrpSpPr>
+      <p:grpSpPr>
+        <a:xfrm>
+          <a:off x="0" y="0"/>
+          <a:ext cx="0" cy="0"/>
+          <a:chOff x="0" y="0"/>
+          <a:chExt cx="0" cy="0"/>
+        </a:xfrm>
+      </p:grpSpPr>
+      <p:sp>
+        <p:nvSpPr>
+          <p:cNvPr id="2" name="כותרת 1"/>
+          <p:cNvSpPr>
+            <a:spLocks noGrp="1"/>
+          </p:cNvSpPr>
+          <p:nvPr>
+            <p:ph type="title"/>
+          </p:nvPr>
+        </p:nvSpPr>
+        <p:spPr/>
+        <p:txBody>
+          <a:bodyPr/>
+          <a:lstStyle/>
+          <a:p>
+            <a:r>
+              <a:rPr lang="en-US" dirty="0" smtClean="0"/>
+              <a:t>What is WSL?</a:t>
+            </a:r>
+            <a:endParaRPr lang="en-US" dirty="0"/>
+          </a:p>
+        </p:txBody>
+      </p:sp>
+      <p:sp>
+        <p:nvSpPr>
+          <p:cNvPr id="3" name="מציין מיקום תוכן 2"/>
+          <p:cNvSpPr>
+            <a:spLocks noGrp="1"/>
+          </p:cNvSpPr>
+          <p:nvPr>
+            <p:ph idx="1"/>
+          </p:nvPr>
+        </p:nvSpPr>
+        <p:spPr>
+          <a:xfrm>
+            <a:off x="1103312" y="2052918"/>
+            <a:ext cx="10522631" cy="4195481"/>
+          </a:xfrm>
+        </p:spPr>
+        <p:txBody>
+          <a:bodyPr>
+            <a:normAutofit/>
+          </a:bodyPr>
+          <a:lstStyle/>
+          <a:p>
+            <a:r>
+              <a:rPr lang="en-US" sz="2800" dirty="0" smtClean="0"/>
+              <a:t>Compatibility </a:t>
+            </a:r>
+            <a:r>
+              <a:rPr lang="en-US" sz="2800" dirty="0"/>
+              <a:t>layer for running </a:t>
+            </a:r>
+            <a:r>
+              <a:rPr lang="en-US" sz="2800" b="1" dirty="0"/>
+              <a:t>native</a:t>
+            </a:r>
+            <a:r>
+              <a:rPr lang="en-US" sz="2800" dirty="0"/>
+              <a:t> Linux ELF64 binaries  on </a:t>
+            </a:r>
+            <a:r>
+              <a:rPr lang="en-US" sz="2800" dirty="0" smtClean="0"/>
+              <a:t>Windows</a:t>
+            </a:r>
+          </a:p>
+          <a:p>
+            <a:r>
+              <a:rPr lang="en-US" sz="2800" dirty="0" smtClean="0"/>
+              <a:t>Provides </a:t>
+            </a:r>
+            <a:r>
+              <a:rPr lang="en-US" sz="2800" dirty="0"/>
+              <a:t>a Linux-compatible kernel </a:t>
+            </a:r>
+            <a:r>
+              <a:rPr lang="en-US" sz="2800" dirty="0" smtClean="0"/>
+              <a:t>interface containing </a:t>
+            </a:r>
+            <a:r>
+              <a:rPr lang="en-US" sz="2800" b="1" dirty="0"/>
+              <a:t>no Linux kernel </a:t>
+            </a:r>
+            <a:r>
+              <a:rPr lang="en-US" sz="2800" b="1" dirty="0" smtClean="0"/>
+              <a:t>code</a:t>
+            </a:r>
+          </a:p>
+        </p:txBody>
+      </p:sp>
+    </p:spTree>
+    <p:extLst>
+      <p:ext uri="{BB962C8B-B14F-4D97-AF65-F5344CB8AC3E}">
+        <p14:creationId xmlns:p14="http://schemas.microsoft.com/office/powerpoint/2010/main" val="4101781378"/>
+      </p:ext>
+    </p:extLst>
+  </p:cSld>
+  <p:clrMapOvr>
+    <a:masterClrMapping/>
+  </p:clrMapOvr>
+  <p:timing>
+    <p:tnLst>
+      <p:par>
+        <p:cTn id="1" dur="indefinite" restart="never" nodeType="tmRoot"/>
+      </p:par>
+    </p:tnLst>
+  </p:timing>
+</p:sld>
+</file>
+
+<file path=ppt/slides/slide20.xml><?xml version="1.0" encoding="utf-8"?>
 <p:sld xmlns:a="http://schemas.openxmlformats.org/drawingml/2006/main" xmlns:r="http://schemas.openxmlformats.org/officeDocument/2006/relationships" xmlns:p="http://schemas.openxmlformats.org/presentationml/2006/main">
   <p:cSld>
     <p:spTree>
@@ -8337,234 +8565,6 @@
 </p:sld>
 </file>
 
-<file path=ppt/slides/slide2.xml><?xml version="1.0" encoding="utf-8"?>
-<p:sld xmlns:a="http://schemas.openxmlformats.org/drawingml/2006/main" xmlns:r="http://schemas.openxmlformats.org/officeDocument/2006/relationships" xmlns:p="http://schemas.openxmlformats.org/presentationml/2006/main">
-  <p:cSld>
-    <p:spTree>
-      <p:nvGrpSpPr>
-        <p:cNvPr id="1" name=""/>
-        <p:cNvGrpSpPr/>
-        <p:nvPr/>
-      </p:nvGrpSpPr>
-      <p:grpSpPr>
-        <a:xfrm>
-          <a:off x="0" y="0"/>
-          <a:ext cx="0" cy="0"/>
-          <a:chOff x="0" y="0"/>
-          <a:chExt cx="0" cy="0"/>
-        </a:xfrm>
-      </p:grpSpPr>
-      <p:sp>
-        <p:nvSpPr>
-          <p:cNvPr id="2" name="כותרת 1"/>
-          <p:cNvSpPr>
-            <a:spLocks noGrp="1"/>
-          </p:cNvSpPr>
-          <p:nvPr>
-            <p:ph type="title"/>
-          </p:nvPr>
-        </p:nvSpPr>
-        <p:spPr/>
-        <p:txBody>
-          <a:bodyPr/>
-          <a:lstStyle/>
-          <a:p>
-            <a:r>
-              <a:rPr lang="en-US" dirty="0" smtClean="0"/>
-              <a:t>What is WSL?</a:t>
-            </a:r>
-            <a:endParaRPr lang="en-US" dirty="0"/>
-          </a:p>
-        </p:txBody>
-      </p:sp>
-      <p:sp>
-        <p:nvSpPr>
-          <p:cNvPr id="3" name="מציין מיקום תוכן 2"/>
-          <p:cNvSpPr>
-            <a:spLocks noGrp="1"/>
-          </p:cNvSpPr>
-          <p:nvPr>
-            <p:ph idx="1"/>
-          </p:nvPr>
-        </p:nvSpPr>
-        <p:spPr>
-          <a:xfrm>
-            <a:off x="1103312" y="2052918"/>
-            <a:ext cx="10522631" cy="4195481"/>
-          </a:xfrm>
-        </p:spPr>
-        <p:txBody>
-          <a:bodyPr>
-            <a:normAutofit/>
-          </a:bodyPr>
-          <a:lstStyle/>
-          <a:p>
-            <a:r>
-              <a:rPr lang="en-US" sz="2800" dirty="0" smtClean="0"/>
-              <a:t>Compatibility </a:t>
-            </a:r>
-            <a:r>
-              <a:rPr lang="en-US" sz="2800" dirty="0"/>
-              <a:t>layer for running </a:t>
-            </a:r>
-            <a:r>
-              <a:rPr lang="en-US" sz="2800" b="1" dirty="0"/>
-              <a:t>native</a:t>
-            </a:r>
-            <a:r>
-              <a:rPr lang="en-US" sz="2800" dirty="0"/>
-              <a:t> Linux ELF64 binaries  on </a:t>
-            </a:r>
-            <a:r>
-              <a:rPr lang="en-US" sz="2800" dirty="0" smtClean="0"/>
-              <a:t>Windows</a:t>
-            </a:r>
-          </a:p>
-          <a:p>
-            <a:r>
-              <a:rPr lang="en-US" sz="2800" dirty="0" smtClean="0"/>
-              <a:t>Provides </a:t>
-            </a:r>
-            <a:r>
-              <a:rPr lang="en-US" sz="2800" dirty="0"/>
-              <a:t>a Linux-compatible kernel </a:t>
-            </a:r>
-            <a:r>
-              <a:rPr lang="en-US" sz="2800" dirty="0" smtClean="0"/>
-              <a:t>interface containing </a:t>
-            </a:r>
-            <a:r>
-              <a:rPr lang="en-US" sz="2800" b="1" dirty="0"/>
-              <a:t>no Linux kernel </a:t>
-            </a:r>
-            <a:r>
-              <a:rPr lang="en-US" sz="2800" b="1" dirty="0" smtClean="0"/>
-              <a:t>code</a:t>
-            </a:r>
-          </a:p>
-        </p:txBody>
-      </p:sp>
-    </p:spTree>
-    <p:extLst>
-      <p:ext uri="{BB962C8B-B14F-4D97-AF65-F5344CB8AC3E}">
-        <p14:creationId xmlns:p14="http://schemas.microsoft.com/office/powerpoint/2010/main" val="4101781378"/>
-      </p:ext>
-    </p:extLst>
-  </p:cSld>
-  <p:clrMapOvr>
-    <a:masterClrMapping/>
-  </p:clrMapOvr>
-  <p:timing>
-    <p:tnLst>
-      <p:par>
-        <p:cTn id="1" dur="indefinite" restart="never" nodeType="tmRoot"/>
-      </p:par>
-    </p:tnLst>
-  </p:timing>
-</p:sld>
-</file>
-
-<file path=ppt/slides/slide20.xml><?xml version="1.0" encoding="utf-8"?>
-<p:sld xmlns:a="http://schemas.openxmlformats.org/drawingml/2006/main" xmlns:r="http://schemas.openxmlformats.org/officeDocument/2006/relationships" xmlns:p="http://schemas.openxmlformats.org/presentationml/2006/main">
-  <p:cSld>
-    <p:spTree>
-      <p:nvGrpSpPr>
-        <p:cNvPr id="1" name=""/>
-        <p:cNvGrpSpPr/>
-        <p:nvPr/>
-      </p:nvGrpSpPr>
-      <p:grpSpPr>
-        <a:xfrm>
-          <a:off x="0" y="0"/>
-          <a:ext cx="0" cy="0"/>
-          <a:chOff x="0" y="0"/>
-          <a:chExt cx="0" cy="0"/>
-        </a:xfrm>
-      </p:grpSpPr>
-      <p:sp>
-        <p:nvSpPr>
-          <p:cNvPr id="2" name="כותרת 1"/>
-          <p:cNvSpPr>
-            <a:spLocks noGrp="1"/>
-          </p:cNvSpPr>
-          <p:nvPr>
-            <p:ph type="title"/>
-          </p:nvPr>
-        </p:nvSpPr>
-        <p:spPr/>
-        <p:txBody>
-          <a:bodyPr/>
-          <a:lstStyle/>
-          <a:p>
-            <a:r>
-              <a:rPr lang="en-US" sz="4400" dirty="0" smtClean="0"/>
-              <a:t>SYSTEM CALLS</a:t>
-            </a:r>
-            <a:endParaRPr lang="en-US" dirty="0"/>
-          </a:p>
-        </p:txBody>
-      </p:sp>
-      <p:pic>
-        <p:nvPicPr>
-          <p:cNvPr id="13314" name="Picture 2" descr="syscall_graphic"/>
-          <p:cNvPicPr>
-            <a:picLocks noChangeAspect="1" noChangeArrowheads="1"/>
-          </p:cNvPicPr>
-          <p:nvPr/>
-        </p:nvPicPr>
-        <p:blipFill>
-          <a:blip r:embed="rId2">
-            <a:extLst>
-              <a:ext uri="{28A0092B-C50C-407E-A947-70E740481C1C}">
-                <a14:useLocalDpi xmlns:a14="http://schemas.microsoft.com/office/drawing/2010/main" val="0"/>
-              </a:ext>
-            </a:extLst>
-          </a:blip>
-          <a:srcRect/>
-          <a:stretch>
-            <a:fillRect/>
-          </a:stretch>
-        </p:blipFill>
-        <p:spPr bwMode="auto">
-          <a:xfrm>
-            <a:off x="1829630" y="1429091"/>
-            <a:ext cx="7722333" cy="5313643"/>
-          </a:xfrm>
-          <a:prstGeom prst="rect">
-            <a:avLst/>
-          </a:prstGeom>
-          <a:noFill/>
-          <a:extLst>
-            <a:ext uri="{909E8E84-426E-40DD-AFC4-6F175D3DCCD1}">
-              <a14:hiddenFill xmlns:a14="http://schemas.microsoft.com/office/drawing/2010/main">
-                <a:solidFill>
-                  <a:srgbClr val="FFFFFF"/>
-                </a:solidFill>
-              </a14:hiddenFill>
-            </a:ext>
-          </a:extLst>
-        </p:spPr>
-      </p:pic>
-    </p:spTree>
-    <p:extLst>
-      <p:ext uri="{BB962C8B-B14F-4D97-AF65-F5344CB8AC3E}">
-        <p14:creationId xmlns:p14="http://schemas.microsoft.com/office/powerpoint/2010/main" val="164989120"/>
-      </p:ext>
-    </p:extLst>
-  </p:cSld>
-  <p:clrMapOvr>
-    <a:masterClrMapping/>
-  </p:clrMapOvr>
-  <p:timing>
-    <p:tnLst>
-      <p:par>
-        <p:cTn id="1" dur="indefinite" restart="never" nodeType="tmRoot"/>
-      </p:par>
-    </p:tnLst>
-  </p:timing>
-</p:sld>
-</file>
-
 <file path=ppt/slides/slide21.xml><?xml version="1.0" encoding="utf-8"?>
 <p:sld xmlns:a="http://schemas.openxmlformats.org/drawingml/2006/main" xmlns:r="http://schemas.openxmlformats.org/officeDocument/2006/relationships" xmlns:p="http://schemas.openxmlformats.org/presentationml/2006/main">
   <p:cSld>
